--- a/ni_hil_auto.pptx
+++ b/ni_hil_auto.pptx
@@ -5,7 +5,7 @@
     <p:sldMasterId id="2147483648" r:id="rId1"/>
   </p:sldMasterIdLst>
   <p:notesMasterIdLst>
-    <p:notesMasterId r:id="rId15"/>
+    <p:notesMasterId r:id="rId14"/>
   </p:notesMasterIdLst>
   <p:sldIdLst>
     <p:sldId id="256" r:id="rId2"/>
@@ -17,10 +17,9 @@
     <p:sldId id="266" r:id="rId8"/>
     <p:sldId id="264" r:id="rId9"/>
     <p:sldId id="268" r:id="rId10"/>
-    <p:sldId id="269" r:id="rId11"/>
-    <p:sldId id="267" r:id="rId12"/>
-    <p:sldId id="258" r:id="rId13"/>
-    <p:sldId id="257" r:id="rId14"/>
+    <p:sldId id="267" r:id="rId11"/>
+    <p:sldId id="258" r:id="rId12"/>
+    <p:sldId id="257" r:id="rId13"/>
   </p:sldIdLst>
   <p:sldSz cx="12192000" cy="6858000"/>
   <p:notesSz cx="6858000" cy="9144000"/>
@@ -209,7 +208,7 @@
           <a:p>
             <a:fld id="{434C6512-73FC-45AA-A96A-A7B54BB23EBC}" type="datetimeFigureOut">
               <a:rPr lang="zh-CN" altLang="en-US" smtClean="0"/>
-              <a:t>2022/4/2</a:t>
+              <a:t>2022/4/6</a:t>
             </a:fld>
             <a:endParaRPr lang="zh-CN" altLang="en-US"/>
           </a:p>
@@ -714,7 +713,7 @@
           <a:p>
             <a:fld id="{C3B48457-2BFA-4D75-9E75-BBB041F7EA72}" type="datetimeFigureOut">
               <a:rPr lang="zh-CN" altLang="en-US" smtClean="0"/>
-              <a:t>2022/4/2</a:t>
+              <a:t>2022/4/6</a:t>
             </a:fld>
             <a:endParaRPr lang="zh-CN" altLang="en-US"/>
           </a:p>
@@ -912,7 +911,7 @@
           <a:p>
             <a:fld id="{C3B48457-2BFA-4D75-9E75-BBB041F7EA72}" type="datetimeFigureOut">
               <a:rPr lang="zh-CN" altLang="en-US" smtClean="0"/>
-              <a:t>2022/4/2</a:t>
+              <a:t>2022/4/6</a:t>
             </a:fld>
             <a:endParaRPr lang="zh-CN" altLang="en-US"/>
           </a:p>
@@ -1120,7 +1119,7 @@
           <a:p>
             <a:fld id="{C3B48457-2BFA-4D75-9E75-BBB041F7EA72}" type="datetimeFigureOut">
               <a:rPr lang="zh-CN" altLang="en-US" smtClean="0"/>
-              <a:t>2022/4/2</a:t>
+              <a:t>2022/4/6</a:t>
             </a:fld>
             <a:endParaRPr lang="zh-CN" altLang="en-US"/>
           </a:p>
@@ -1318,7 +1317,7 @@
           <a:p>
             <a:fld id="{C3B48457-2BFA-4D75-9E75-BBB041F7EA72}" type="datetimeFigureOut">
               <a:rPr lang="zh-CN" altLang="en-US" smtClean="0"/>
-              <a:t>2022/4/2</a:t>
+              <a:t>2022/4/6</a:t>
             </a:fld>
             <a:endParaRPr lang="zh-CN" altLang="en-US"/>
           </a:p>
@@ -1593,7 +1592,7 @@
           <a:p>
             <a:fld id="{C3B48457-2BFA-4D75-9E75-BBB041F7EA72}" type="datetimeFigureOut">
               <a:rPr lang="zh-CN" altLang="en-US" smtClean="0"/>
-              <a:t>2022/4/2</a:t>
+              <a:t>2022/4/6</a:t>
             </a:fld>
             <a:endParaRPr lang="zh-CN" altLang="en-US"/>
           </a:p>
@@ -1858,7 +1857,7 @@
           <a:p>
             <a:fld id="{C3B48457-2BFA-4D75-9E75-BBB041F7EA72}" type="datetimeFigureOut">
               <a:rPr lang="zh-CN" altLang="en-US" smtClean="0"/>
-              <a:t>2022/4/2</a:t>
+              <a:t>2022/4/6</a:t>
             </a:fld>
             <a:endParaRPr lang="zh-CN" altLang="en-US"/>
           </a:p>
@@ -2270,7 +2269,7 @@
           <a:p>
             <a:fld id="{C3B48457-2BFA-4D75-9E75-BBB041F7EA72}" type="datetimeFigureOut">
               <a:rPr lang="zh-CN" altLang="en-US" smtClean="0"/>
-              <a:t>2022/4/2</a:t>
+              <a:t>2022/4/6</a:t>
             </a:fld>
             <a:endParaRPr lang="zh-CN" altLang="en-US"/>
           </a:p>
@@ -2411,7 +2410,7 @@
           <a:p>
             <a:fld id="{C3B48457-2BFA-4D75-9E75-BBB041F7EA72}" type="datetimeFigureOut">
               <a:rPr lang="zh-CN" altLang="en-US" smtClean="0"/>
-              <a:t>2022/4/2</a:t>
+              <a:t>2022/4/6</a:t>
             </a:fld>
             <a:endParaRPr lang="zh-CN" altLang="en-US"/>
           </a:p>
@@ -2524,7 +2523,7 @@
           <a:p>
             <a:fld id="{C3B48457-2BFA-4D75-9E75-BBB041F7EA72}" type="datetimeFigureOut">
               <a:rPr lang="zh-CN" altLang="en-US" smtClean="0"/>
-              <a:t>2022/4/2</a:t>
+              <a:t>2022/4/6</a:t>
             </a:fld>
             <a:endParaRPr lang="zh-CN" altLang="en-US"/>
           </a:p>
@@ -2835,7 +2834,7 @@
           <a:p>
             <a:fld id="{C3B48457-2BFA-4D75-9E75-BBB041F7EA72}" type="datetimeFigureOut">
               <a:rPr lang="zh-CN" altLang="en-US" smtClean="0"/>
-              <a:t>2022/4/2</a:t>
+              <a:t>2022/4/6</a:t>
             </a:fld>
             <a:endParaRPr lang="zh-CN" altLang="en-US"/>
           </a:p>
@@ -3123,7 +3122,7 @@
           <a:p>
             <a:fld id="{C3B48457-2BFA-4D75-9E75-BBB041F7EA72}" type="datetimeFigureOut">
               <a:rPr lang="zh-CN" altLang="en-US" smtClean="0"/>
-              <a:t>2022/4/2</a:t>
+              <a:t>2022/4/6</a:t>
             </a:fld>
             <a:endParaRPr lang="zh-CN" altLang="en-US"/>
           </a:p>
@@ -3364,7 +3363,7 @@
           <a:p>
             <a:fld id="{C3B48457-2BFA-4D75-9E75-BBB041F7EA72}" type="datetimeFigureOut">
               <a:rPr lang="zh-CN" altLang="en-US" smtClean="0"/>
-              <a:t>2022/4/2</a:t>
+              <a:t>2022/4/6</a:t>
             </a:fld>
             <a:endParaRPr lang="zh-CN" altLang="en-US"/>
           </a:p>
@@ -4110,139 +4109,6 @@
           <a:chExt cx="0" cy="0"/>
         </a:xfrm>
       </p:grpSpPr>
-      <p:pic>
-        <p:nvPicPr>
-          <p:cNvPr id="6" name="图片 5">
-            <a:extLst>
-              <a:ext uri="{FF2B5EF4-FFF2-40B4-BE49-F238E27FC236}">
-                <a16:creationId xmlns:a16="http://schemas.microsoft.com/office/drawing/2014/main" id="{13CF17CD-1A94-4465-A44B-DA9068475F8F}"/>
-              </a:ext>
-            </a:extLst>
-          </p:cNvPr>
-          <p:cNvPicPr>
-            <a:picLocks noChangeAspect="1"/>
-          </p:cNvPicPr>
-          <p:nvPr/>
-        </p:nvPicPr>
-        <p:blipFill>
-          <a:blip r:embed="rId2"/>
-          <a:stretch>
-            <a:fillRect/>
-          </a:stretch>
-        </p:blipFill>
-        <p:spPr>
-          <a:xfrm>
-            <a:off x="493395" y="1183768"/>
-            <a:ext cx="7658100" cy="5434202"/>
-          </a:xfrm>
-          <a:prstGeom prst="rect">
-            <a:avLst/>
-          </a:prstGeom>
-        </p:spPr>
-      </p:pic>
-      <p:pic>
-        <p:nvPicPr>
-          <p:cNvPr id="8" name="图片 7">
-            <a:extLst>
-              <a:ext uri="{FF2B5EF4-FFF2-40B4-BE49-F238E27FC236}">
-                <a16:creationId xmlns:a16="http://schemas.microsoft.com/office/drawing/2014/main" id="{C98B4686-D6E4-4F8D-B108-9DD091A6341C}"/>
-              </a:ext>
-            </a:extLst>
-          </p:cNvPr>
-          <p:cNvPicPr>
-            <a:picLocks noChangeAspect="1"/>
-          </p:cNvPicPr>
-          <p:nvPr/>
-        </p:nvPicPr>
-        <p:blipFill>
-          <a:blip r:embed="rId3"/>
-          <a:stretch>
-            <a:fillRect/>
-          </a:stretch>
-        </p:blipFill>
-        <p:spPr>
-          <a:xfrm>
-            <a:off x="4067175" y="4772025"/>
-            <a:ext cx="8124825" cy="2085975"/>
-          </a:xfrm>
-          <a:prstGeom prst="rect">
-            <a:avLst/>
-          </a:prstGeom>
-        </p:spPr>
-      </p:pic>
-      <p:sp>
-        <p:nvSpPr>
-          <p:cNvPr id="9" name="文本框 8">
-            <a:extLst>
-              <a:ext uri="{FF2B5EF4-FFF2-40B4-BE49-F238E27FC236}">
-                <a16:creationId xmlns:a16="http://schemas.microsoft.com/office/drawing/2014/main" id="{74EF1D62-4208-4A50-A9A8-ADC8879507A0}"/>
-              </a:ext>
-            </a:extLst>
-          </p:cNvPr>
-          <p:cNvSpPr txBox="1"/>
-          <p:nvPr/>
-        </p:nvSpPr>
-        <p:spPr>
-          <a:xfrm>
-            <a:off x="493395" y="148590"/>
-            <a:ext cx="5602605" cy="369332"/>
-          </a:xfrm>
-          <a:prstGeom prst="rect">
-            <a:avLst/>
-          </a:prstGeom>
-          <a:noFill/>
-        </p:spPr>
-        <p:txBody>
-          <a:bodyPr wrap="square" rtlCol="0">
-            <a:spAutoFit/>
-          </a:bodyPr>
-          <a:lstStyle/>
-          <a:p>
-            <a:r>
-              <a:rPr lang="en-US" altLang="zh-CN" dirty="0" err="1"/>
-              <a:t>Virtualenv</a:t>
-            </a:r>
-            <a:r>
-              <a:rPr lang="en-US" altLang="zh-CN" dirty="0"/>
-              <a:t> Tools</a:t>
-            </a:r>
-            <a:r>
-              <a:rPr lang="zh-CN" altLang="en-US" dirty="0"/>
-              <a:t>使用</a:t>
-            </a:r>
-          </a:p>
-        </p:txBody>
-      </p:sp>
-    </p:spTree>
-    <p:extLst>
-      <p:ext uri="{BB962C8B-B14F-4D97-AF65-F5344CB8AC3E}">
-        <p14:creationId xmlns:p14="http://schemas.microsoft.com/office/powerpoint/2010/main" val="4070804084"/>
-      </p:ext>
-    </p:extLst>
-  </p:cSld>
-  <p:clrMapOvr>
-    <a:masterClrMapping/>
-  </p:clrMapOvr>
-</p:sld>
-</file>
-
-<file path=ppt/slides/slide11.xml><?xml version="1.0" encoding="utf-8"?>
-<p:sld xmlns:a="http://schemas.openxmlformats.org/drawingml/2006/main" xmlns:r="http://schemas.openxmlformats.org/officeDocument/2006/relationships" xmlns:p="http://schemas.openxmlformats.org/presentationml/2006/main">
-  <p:cSld>
-    <p:spTree>
-      <p:nvGrpSpPr>
-        <p:cNvPr id="1" name=""/>
-        <p:cNvGrpSpPr/>
-        <p:nvPr/>
-      </p:nvGrpSpPr>
-      <p:grpSpPr>
-        <a:xfrm>
-          <a:off x="0" y="0"/>
-          <a:ext cx="0" cy="0"/>
-          <a:chOff x="0" y="0"/>
-          <a:chExt cx="0" cy="0"/>
-        </a:xfrm>
-      </p:grpSpPr>
       <p:sp>
         <p:nvSpPr>
           <p:cNvPr id="4" name="标题 3">
@@ -4316,7 +4182,7 @@
 </p:sld>
 </file>
 
-<file path=ppt/slides/slide12.xml><?xml version="1.0" encoding="utf-8"?>
+<file path=ppt/slides/slide11.xml><?xml version="1.0" encoding="utf-8"?>
 <p:sld xmlns:a="http://schemas.openxmlformats.org/drawingml/2006/main" xmlns:r="http://schemas.openxmlformats.org/officeDocument/2006/relationships" xmlns:p="http://schemas.openxmlformats.org/presentationml/2006/main">
   <p:cSld>
     <p:spTree>
@@ -5099,7 +4965,7 @@
 </p:sld>
 </file>
 
-<file path=ppt/slides/slide13.xml><?xml version="1.0" encoding="utf-8"?>
+<file path=ppt/slides/slide12.xml><?xml version="1.0" encoding="utf-8"?>
 <p:sld xmlns:a="http://schemas.openxmlformats.org/drawingml/2006/main" xmlns:r="http://schemas.openxmlformats.org/officeDocument/2006/relationships" xmlns:p="http://schemas.openxmlformats.org/presentationml/2006/main">
   <p:cSld>
     <p:spTree>
